--- a/images/top-four/top-four.pptx
+++ b/images/top-four/top-four.pptx
@@ -259,7 +259,7 @@
           <a:p>
             <a:fld id="{66BCD5F4-D95B-2641-8E3F-9A1595EB3499}" type="datetimeFigureOut">
               <a:rPr lang="en-US" smtClean="0"/>
-              <a:t>4/24/25</a:t>
+              <a:t>4/25/25</a:t>
             </a:fld>
             <a:endParaRPr lang="en-US"/>
           </a:p>
@@ -457,7 +457,7 @@
           <a:p>
             <a:fld id="{66BCD5F4-D95B-2641-8E3F-9A1595EB3499}" type="datetimeFigureOut">
               <a:rPr lang="en-US" smtClean="0"/>
-              <a:t>4/24/25</a:t>
+              <a:t>4/25/25</a:t>
             </a:fld>
             <a:endParaRPr lang="en-US"/>
           </a:p>
@@ -665,7 +665,7 @@
           <a:p>
             <a:fld id="{66BCD5F4-D95B-2641-8E3F-9A1595EB3499}" type="datetimeFigureOut">
               <a:rPr lang="en-US" smtClean="0"/>
-              <a:t>4/24/25</a:t>
+              <a:t>4/25/25</a:t>
             </a:fld>
             <a:endParaRPr lang="en-US"/>
           </a:p>
@@ -863,7 +863,7 @@
           <a:p>
             <a:fld id="{66BCD5F4-D95B-2641-8E3F-9A1595EB3499}" type="datetimeFigureOut">
               <a:rPr lang="en-US" smtClean="0"/>
-              <a:t>4/24/25</a:t>
+              <a:t>4/25/25</a:t>
             </a:fld>
             <a:endParaRPr lang="en-US"/>
           </a:p>
@@ -1138,7 +1138,7 @@
           <a:p>
             <a:fld id="{66BCD5F4-D95B-2641-8E3F-9A1595EB3499}" type="datetimeFigureOut">
               <a:rPr lang="en-US" smtClean="0"/>
-              <a:t>4/24/25</a:t>
+              <a:t>4/25/25</a:t>
             </a:fld>
             <a:endParaRPr lang="en-US"/>
           </a:p>
@@ -1403,7 +1403,7 @@
           <a:p>
             <a:fld id="{66BCD5F4-D95B-2641-8E3F-9A1595EB3499}" type="datetimeFigureOut">
               <a:rPr lang="en-US" smtClean="0"/>
-              <a:t>4/24/25</a:t>
+              <a:t>4/25/25</a:t>
             </a:fld>
             <a:endParaRPr lang="en-US"/>
           </a:p>
@@ -1815,7 +1815,7 @@
           <a:p>
             <a:fld id="{66BCD5F4-D95B-2641-8E3F-9A1595EB3499}" type="datetimeFigureOut">
               <a:rPr lang="en-US" smtClean="0"/>
-              <a:t>4/24/25</a:t>
+              <a:t>4/25/25</a:t>
             </a:fld>
             <a:endParaRPr lang="en-US"/>
           </a:p>
@@ -1956,7 +1956,7 @@
           <a:p>
             <a:fld id="{66BCD5F4-D95B-2641-8E3F-9A1595EB3499}" type="datetimeFigureOut">
               <a:rPr lang="en-US" smtClean="0"/>
-              <a:t>4/24/25</a:t>
+              <a:t>4/25/25</a:t>
             </a:fld>
             <a:endParaRPr lang="en-US"/>
           </a:p>
@@ -2069,7 +2069,7 @@
           <a:p>
             <a:fld id="{66BCD5F4-D95B-2641-8E3F-9A1595EB3499}" type="datetimeFigureOut">
               <a:rPr lang="en-US" smtClean="0"/>
-              <a:t>4/24/25</a:t>
+              <a:t>4/25/25</a:t>
             </a:fld>
             <a:endParaRPr lang="en-US"/>
           </a:p>
@@ -2380,7 +2380,7 @@
           <a:p>
             <a:fld id="{66BCD5F4-D95B-2641-8E3F-9A1595EB3499}" type="datetimeFigureOut">
               <a:rPr lang="en-US" smtClean="0"/>
-              <a:t>4/24/25</a:t>
+              <a:t>4/25/25</a:t>
             </a:fld>
             <a:endParaRPr lang="en-US"/>
           </a:p>
@@ -2668,7 +2668,7 @@
           <a:p>
             <a:fld id="{66BCD5F4-D95B-2641-8E3F-9A1595EB3499}" type="datetimeFigureOut">
               <a:rPr lang="en-US" smtClean="0"/>
-              <a:t>4/24/25</a:t>
+              <a:t>4/25/25</a:t>
             </a:fld>
             <a:endParaRPr lang="en-US"/>
           </a:p>
@@ -2909,7 +2909,7 @@
           <a:p>
             <a:fld id="{66BCD5F4-D95B-2641-8E3F-9A1595EB3499}" type="datetimeFigureOut">
               <a:rPr lang="en-US" smtClean="0"/>
-              <a:t>4/24/25</a:t>
+              <a:t>4/25/25</a:t>
             </a:fld>
             <a:endParaRPr lang="en-US"/>
           </a:p>
@@ -3509,7 +3509,7 @@
         </p:blipFill>
         <p:spPr>
           <a:xfrm>
-            <a:off x="3100284" y="1317631"/>
+            <a:off x="3100284" y="1401711"/>
             <a:ext cx="2971800" cy="1654207"/>
           </a:xfrm>
           <a:prstGeom prst="rect">
@@ -3538,7 +3538,7 @@
         </p:blipFill>
         <p:spPr>
           <a:xfrm>
-            <a:off x="6158027" y="1317614"/>
+            <a:off x="6158027" y="1401694"/>
             <a:ext cx="2971800" cy="1654224"/>
           </a:xfrm>
           <a:prstGeom prst="rect">
@@ -3567,7 +3567,7 @@
         </p:blipFill>
         <p:spPr>
           <a:xfrm>
-            <a:off x="9215772" y="1317622"/>
+            <a:off x="9215772" y="1401702"/>
             <a:ext cx="2971800" cy="1654224"/>
           </a:xfrm>
           <a:prstGeom prst="rect">
@@ -3596,7 +3596,7 @@
         </p:blipFill>
         <p:spPr>
           <a:xfrm>
-            <a:off x="42539" y="1317631"/>
+            <a:off x="42539" y="1401711"/>
             <a:ext cx="2971800" cy="1654205"/>
           </a:xfrm>
           <a:prstGeom prst="rect">
@@ -3626,7 +3626,7 @@
         </p:blipFill>
         <p:spPr>
           <a:xfrm>
-            <a:off x="9215772" y="4359555"/>
+            <a:off x="9215772" y="4748436"/>
             <a:ext cx="2971800" cy="1839358"/>
           </a:xfrm>
           <a:prstGeom prst="rect">
@@ -3656,7 +3656,7 @@
         </p:blipFill>
         <p:spPr>
           <a:xfrm>
-            <a:off x="6160979" y="4360844"/>
+            <a:off x="6160979" y="4749725"/>
             <a:ext cx="2971800" cy="1836780"/>
           </a:xfrm>
           <a:prstGeom prst="rect">
@@ -3686,7 +3686,7 @@
         </p:blipFill>
         <p:spPr>
           <a:xfrm>
-            <a:off x="3102884" y="4361666"/>
+            <a:off x="3102884" y="4750547"/>
             <a:ext cx="2971800" cy="1835136"/>
           </a:xfrm>
           <a:prstGeom prst="rect">
@@ -3716,7 +3716,7 @@
         </p:blipFill>
         <p:spPr>
           <a:xfrm>
-            <a:off x="42539" y="4361666"/>
+            <a:off x="42539" y="4750547"/>
             <a:ext cx="2971800" cy="1835136"/>
           </a:xfrm>
           <a:prstGeom prst="rect">
@@ -3738,8 +3738,8 @@
         </p:nvSpPr>
         <p:spPr>
           <a:xfrm>
-            <a:off x="668141" y="948282"/>
-            <a:ext cx="1564640" cy="369332"/>
+            <a:off x="643697" y="792807"/>
+            <a:ext cx="1830314" cy="646331"/>
           </a:xfrm>
           <a:prstGeom prst="rect">
             <a:avLst/>
@@ -3761,14 +3761,24 @@
               <a:t>Xiaomi SU7</a:t>
             </a:r>
           </a:p>
-        </p:txBody>
-      </p:sp>
-      <p:sp>
-        <p:nvSpPr>
-          <p:cNvPr id="27" name="TextBox 26">
-            <a:extLst>
-              <a:ext uri="{FF2B5EF4-FFF2-40B4-BE49-F238E27FC236}">
-                <a16:creationId xmlns:a16="http://schemas.microsoft.com/office/drawing/2014/main" id="{0C74ADEB-B5CF-7B72-7699-8130455B55D7}"/>
+          <a:p>
+            <a:pPr algn="ctr"/>
+            <a:r>
+              <a:rPr lang="en-US" dirty="0">
+                <a:latin typeface="Roboto Condensed Light" panose="02000000000000000000" pitchFamily="2" charset="0"/>
+                <a:ea typeface="Roboto Condensed Light" panose="02000000000000000000" pitchFamily="2" charset="0"/>
+              </a:rPr>
+              <a:t>$30,171 - $41,909</a:t>
+            </a:r>
+          </a:p>
+        </p:txBody>
+      </p:sp>
+      <p:sp>
+        <p:nvSpPr>
+          <p:cNvPr id="34" name="TextBox 33">
+            <a:extLst>
+              <a:ext uri="{FF2B5EF4-FFF2-40B4-BE49-F238E27FC236}">
+                <a16:creationId xmlns:a16="http://schemas.microsoft.com/office/drawing/2014/main" id="{21419897-F8B5-238E-9044-5554F4F36ECF}"/>
               </a:ext>
             </a:extLst>
           </p:cNvPr>
@@ -3777,291 +3787,7 @@
         </p:nvSpPr>
         <p:spPr>
           <a:xfrm>
-            <a:off x="3803864" y="948282"/>
-            <a:ext cx="1564640" cy="369332"/>
-          </a:xfrm>
-          <a:prstGeom prst="rect">
-            <a:avLst/>
-          </a:prstGeom>
-          <a:noFill/>
-        </p:spPr>
-        <p:txBody>
-          <a:bodyPr wrap="square">
-            <a:spAutoFit/>
-          </a:bodyPr>
-          <a:lstStyle/>
-          <a:p>
-            <a:pPr algn="ctr"/>
-            <a:r>
-              <a:rPr lang="en-US" dirty="0">
-                <a:latin typeface="Fira Sans Condensed Medium" panose="020B0603050000020004" pitchFamily="34" charset="0"/>
-                <a:ea typeface="Roboto" panose="02000000000000000000" pitchFamily="2" charset="0"/>
-              </a:rPr>
-              <a:t>BYD Song</a:t>
-            </a:r>
-          </a:p>
-        </p:txBody>
-      </p:sp>
-      <p:sp>
-        <p:nvSpPr>
-          <p:cNvPr id="28" name="TextBox 27">
-            <a:extLst>
-              <a:ext uri="{FF2B5EF4-FFF2-40B4-BE49-F238E27FC236}">
-                <a16:creationId xmlns:a16="http://schemas.microsoft.com/office/drawing/2014/main" id="{0681587A-C794-ABFC-E575-A4D832E0B56B}"/>
-              </a:ext>
-            </a:extLst>
-          </p:cNvPr>
-          <p:cNvSpPr txBox="1"/>
-          <p:nvPr/>
-        </p:nvSpPr>
-        <p:spPr>
-          <a:xfrm>
-            <a:off x="6673913" y="948282"/>
-            <a:ext cx="1838279" cy="369332"/>
-          </a:xfrm>
-          <a:prstGeom prst="rect">
-            <a:avLst/>
-          </a:prstGeom>
-          <a:noFill/>
-        </p:spPr>
-        <p:txBody>
-          <a:bodyPr wrap="square">
-            <a:spAutoFit/>
-          </a:bodyPr>
-          <a:lstStyle/>
-          <a:p>
-            <a:pPr algn="ctr"/>
-            <a:r>
-              <a:rPr lang="en-US" dirty="0">
-                <a:latin typeface="Fira Sans Condensed Medium" panose="020B0603050000020004" pitchFamily="34" charset="0"/>
-                <a:ea typeface="Roboto" panose="02000000000000000000" pitchFamily="2" charset="0"/>
-              </a:rPr>
-              <a:t>Geely </a:t>
-            </a:r>
-            <a:r>
-              <a:rPr lang="en-US" dirty="0" err="1">
-                <a:latin typeface="Fira Sans Condensed Medium" panose="020B0603050000020004" pitchFamily="34" charset="0"/>
-                <a:ea typeface="Roboto" panose="02000000000000000000" pitchFamily="2" charset="0"/>
-              </a:rPr>
-              <a:t>Xingyuan</a:t>
-            </a:r>
-            <a:endParaRPr lang="en-US" dirty="0">
-              <a:latin typeface="Fira Sans Condensed Medium" panose="020B0603050000020004" pitchFamily="34" charset="0"/>
-              <a:ea typeface="Roboto" panose="02000000000000000000" pitchFamily="2" charset="0"/>
-            </a:endParaRPr>
-          </a:p>
-        </p:txBody>
-      </p:sp>
-      <p:sp>
-        <p:nvSpPr>
-          <p:cNvPr id="29" name="TextBox 28">
-            <a:extLst>
-              <a:ext uri="{FF2B5EF4-FFF2-40B4-BE49-F238E27FC236}">
-                <a16:creationId xmlns:a16="http://schemas.microsoft.com/office/drawing/2014/main" id="{6D4C71CE-9D42-19CE-5666-BC4FCEDB5883}"/>
-              </a:ext>
-            </a:extLst>
-          </p:cNvPr>
-          <p:cNvSpPr txBox="1"/>
-          <p:nvPr/>
-        </p:nvSpPr>
-        <p:spPr>
-          <a:xfrm>
-            <a:off x="9959219" y="948282"/>
-            <a:ext cx="1564640" cy="369332"/>
-          </a:xfrm>
-          <a:prstGeom prst="rect">
-            <a:avLst/>
-          </a:prstGeom>
-          <a:noFill/>
-        </p:spPr>
-        <p:txBody>
-          <a:bodyPr wrap="square">
-            <a:spAutoFit/>
-          </a:bodyPr>
-          <a:lstStyle/>
-          <a:p>
-            <a:pPr algn="ctr"/>
-            <a:r>
-              <a:rPr lang="en-US" dirty="0">
-                <a:latin typeface="Fira Sans Condensed Medium" panose="020B0603050000020004" pitchFamily="34" charset="0"/>
-                <a:ea typeface="Roboto" panose="02000000000000000000" pitchFamily="2" charset="0"/>
-              </a:rPr>
-              <a:t>Tesla Model Y</a:t>
-            </a:r>
-          </a:p>
-        </p:txBody>
-      </p:sp>
-      <p:sp>
-        <p:nvSpPr>
-          <p:cNvPr id="30" name="TextBox 29">
-            <a:extLst>
-              <a:ext uri="{FF2B5EF4-FFF2-40B4-BE49-F238E27FC236}">
-                <a16:creationId xmlns:a16="http://schemas.microsoft.com/office/drawing/2014/main" id="{19F0FAE9-8AAD-02B5-8C99-8AA8F031DBC6}"/>
-              </a:ext>
-            </a:extLst>
-          </p:cNvPr>
-          <p:cNvSpPr txBox="1"/>
-          <p:nvPr/>
-        </p:nvSpPr>
-        <p:spPr>
-          <a:xfrm>
-            <a:off x="3810682" y="3933897"/>
-            <a:ext cx="1564640" cy="369332"/>
-          </a:xfrm>
-          <a:prstGeom prst="rect">
-            <a:avLst/>
-          </a:prstGeom>
-          <a:noFill/>
-        </p:spPr>
-        <p:txBody>
-          <a:bodyPr wrap="square">
-            <a:spAutoFit/>
-          </a:bodyPr>
-          <a:lstStyle/>
-          <a:p>
-            <a:pPr algn="ctr"/>
-            <a:r>
-              <a:rPr lang="en-US" dirty="0">
-                <a:latin typeface="Fira Sans Condensed Medium" panose="020B0603050000020004" pitchFamily="34" charset="0"/>
-                <a:ea typeface="Roboto" panose="02000000000000000000" pitchFamily="2" charset="0"/>
-              </a:rPr>
-              <a:t>Honda CRV</a:t>
-            </a:r>
-          </a:p>
-        </p:txBody>
-      </p:sp>
-      <p:sp>
-        <p:nvSpPr>
-          <p:cNvPr id="31" name="TextBox 30">
-            <a:extLst>
-              <a:ext uri="{FF2B5EF4-FFF2-40B4-BE49-F238E27FC236}">
-                <a16:creationId xmlns:a16="http://schemas.microsoft.com/office/drawing/2014/main" id="{948F9962-D4A1-2574-0FE2-EAF58FAFF45D}"/>
-              </a:ext>
-            </a:extLst>
-          </p:cNvPr>
-          <p:cNvSpPr txBox="1"/>
-          <p:nvPr/>
-        </p:nvSpPr>
-        <p:spPr>
-          <a:xfrm>
-            <a:off x="6816679" y="3933897"/>
-            <a:ext cx="1564640" cy="369332"/>
-          </a:xfrm>
-          <a:prstGeom prst="rect">
-            <a:avLst/>
-          </a:prstGeom>
-          <a:noFill/>
-        </p:spPr>
-        <p:txBody>
-          <a:bodyPr wrap="square">
-            <a:spAutoFit/>
-          </a:bodyPr>
-          <a:lstStyle/>
-          <a:p>
-            <a:pPr algn="ctr"/>
-            <a:r>
-              <a:rPr lang="en-US" dirty="0">
-                <a:latin typeface="Fira Sans Condensed Medium" panose="020B0603050000020004" pitchFamily="34" charset="0"/>
-                <a:ea typeface="Roboto" panose="02000000000000000000" pitchFamily="2" charset="0"/>
-              </a:rPr>
-              <a:t>Ford F-150</a:t>
-            </a:r>
-          </a:p>
-        </p:txBody>
-      </p:sp>
-      <p:sp>
-        <p:nvSpPr>
-          <p:cNvPr id="32" name="TextBox 31">
-            <a:extLst>
-              <a:ext uri="{FF2B5EF4-FFF2-40B4-BE49-F238E27FC236}">
-                <a16:creationId xmlns:a16="http://schemas.microsoft.com/office/drawing/2014/main" id="{62E495F4-FE02-F288-13FC-1E53B99BBF3C}"/>
-              </a:ext>
-            </a:extLst>
-          </p:cNvPr>
-          <p:cNvSpPr txBox="1"/>
-          <p:nvPr/>
-        </p:nvSpPr>
-        <p:spPr>
-          <a:xfrm>
-            <a:off x="9586517" y="3933897"/>
-            <a:ext cx="2227158" cy="369332"/>
-          </a:xfrm>
-          <a:prstGeom prst="rect">
-            <a:avLst/>
-          </a:prstGeom>
-          <a:noFill/>
-        </p:spPr>
-        <p:txBody>
-          <a:bodyPr wrap="square">
-            <a:spAutoFit/>
-          </a:bodyPr>
-          <a:lstStyle/>
-          <a:p>
-            <a:pPr algn="ctr"/>
-            <a:r>
-              <a:rPr lang="en-US" dirty="0">
-                <a:latin typeface="Fira Sans Condensed Medium" panose="020B0603050000020004" pitchFamily="34" charset="0"/>
-                <a:ea typeface="Roboto" panose="02000000000000000000" pitchFamily="2" charset="0"/>
-              </a:rPr>
-              <a:t>Chevrolet Silverado</a:t>
-            </a:r>
-          </a:p>
-        </p:txBody>
-      </p:sp>
-      <p:sp>
-        <p:nvSpPr>
-          <p:cNvPr id="33" name="TextBox 32">
-            <a:extLst>
-              <a:ext uri="{FF2B5EF4-FFF2-40B4-BE49-F238E27FC236}">
-                <a16:creationId xmlns:a16="http://schemas.microsoft.com/office/drawing/2014/main" id="{882ED3FA-538D-3CDC-760A-41A9C725E57F}"/>
-              </a:ext>
-            </a:extLst>
-          </p:cNvPr>
-          <p:cNvSpPr txBox="1"/>
-          <p:nvPr/>
-        </p:nvSpPr>
-        <p:spPr>
-          <a:xfrm>
-            <a:off x="668141" y="3933897"/>
-            <a:ext cx="1564640" cy="369332"/>
-          </a:xfrm>
-          <a:prstGeom prst="rect">
-            <a:avLst/>
-          </a:prstGeom>
-          <a:noFill/>
-        </p:spPr>
-        <p:txBody>
-          <a:bodyPr wrap="square">
-            <a:spAutoFit/>
-          </a:bodyPr>
-          <a:lstStyle/>
-          <a:p>
-            <a:pPr algn="ctr"/>
-            <a:r>
-              <a:rPr lang="en-US" dirty="0">
-                <a:latin typeface="Fira Sans Condensed Medium" panose="020B0603050000020004" pitchFamily="34" charset="0"/>
-                <a:ea typeface="Roboto" panose="02000000000000000000" pitchFamily="2" charset="0"/>
-              </a:rPr>
-              <a:t>Toyota RAV4</a:t>
-            </a:r>
-          </a:p>
-        </p:txBody>
-      </p:sp>
-      <p:sp>
-        <p:nvSpPr>
-          <p:cNvPr id="34" name="TextBox 33">
-            <a:extLst>
-              <a:ext uri="{FF2B5EF4-FFF2-40B4-BE49-F238E27FC236}">
-                <a16:creationId xmlns:a16="http://schemas.microsoft.com/office/drawing/2014/main" id="{21419897-F8B5-238E-9044-5554F4F36ECF}"/>
-              </a:ext>
-            </a:extLst>
-          </p:cNvPr>
-          <p:cNvSpPr txBox="1"/>
-          <p:nvPr/>
-        </p:nvSpPr>
-        <p:spPr>
-          <a:xfrm>
-            <a:off x="3845032" y="258190"/>
+            <a:off x="3845032" y="123531"/>
             <a:ext cx="4501936" cy="461665"/>
           </a:xfrm>
           <a:prstGeom prst="rect">
@@ -4114,7 +3840,7 @@
         </p:nvSpPr>
         <p:spPr>
           <a:xfrm>
-            <a:off x="3845256" y="3304466"/>
+            <a:off x="3845256" y="3346506"/>
             <a:ext cx="4501936" cy="461665"/>
           </a:xfrm>
           <a:prstGeom prst="rect">
@@ -4149,6 +3875,367 @@
                 <a:ea typeface="Roboto" panose="02000000000000000000" pitchFamily="2" charset="0"/>
               </a:rPr>
               <a:t>USA</a:t>
+            </a:r>
+          </a:p>
+        </p:txBody>
+      </p:sp>
+      <p:sp>
+        <p:nvSpPr>
+          <p:cNvPr id="4" name="TextBox 3">
+            <a:extLst>
+              <a:ext uri="{FF2B5EF4-FFF2-40B4-BE49-F238E27FC236}">
+                <a16:creationId xmlns:a16="http://schemas.microsoft.com/office/drawing/2014/main" id="{09BC2982-B85D-61DA-7D6A-12549173406D}"/>
+              </a:ext>
+            </a:extLst>
+          </p:cNvPr>
+          <p:cNvSpPr txBox="1"/>
+          <p:nvPr/>
+        </p:nvSpPr>
+        <p:spPr>
+          <a:xfrm>
+            <a:off x="3593512" y="781172"/>
+            <a:ext cx="1830314" cy="646331"/>
+          </a:xfrm>
+          <a:prstGeom prst="rect">
+            <a:avLst/>
+          </a:prstGeom>
+          <a:noFill/>
+        </p:spPr>
+        <p:txBody>
+          <a:bodyPr wrap="square">
+            <a:spAutoFit/>
+          </a:bodyPr>
+          <a:lstStyle/>
+          <a:p>
+            <a:pPr algn="ctr"/>
+            <a:r>
+              <a:rPr lang="en-US" dirty="0">
+                <a:latin typeface="Fira Sans Condensed Medium" panose="020B0603050000020004" pitchFamily="34" charset="0"/>
+                <a:ea typeface="Roboto" panose="02000000000000000000" pitchFamily="2" charset="0"/>
+              </a:rPr>
+              <a:t>BYD Song</a:t>
+            </a:r>
+          </a:p>
+          <a:p>
+            <a:pPr algn="ctr"/>
+            <a:r>
+              <a:rPr lang="en-US" dirty="0">
+                <a:latin typeface="Roboto Condensed Light" panose="02000000000000000000" pitchFamily="2" charset="0"/>
+                <a:ea typeface="Roboto Condensed Light" panose="02000000000000000000" pitchFamily="2" charset="0"/>
+              </a:rPr>
+              <a:t>$24,721 - $38,555</a:t>
+            </a:r>
+          </a:p>
+        </p:txBody>
+      </p:sp>
+      <p:sp>
+        <p:nvSpPr>
+          <p:cNvPr id="6" name="TextBox 5">
+            <a:extLst>
+              <a:ext uri="{FF2B5EF4-FFF2-40B4-BE49-F238E27FC236}">
+                <a16:creationId xmlns:a16="http://schemas.microsoft.com/office/drawing/2014/main" id="{B3003B5E-72E8-459E-F67B-B24B2C66E6C6}"/>
+              </a:ext>
+            </a:extLst>
+          </p:cNvPr>
+          <p:cNvSpPr txBox="1"/>
+          <p:nvPr/>
+        </p:nvSpPr>
+        <p:spPr>
+          <a:xfrm>
+            <a:off x="6734912" y="781172"/>
+            <a:ext cx="1830314" cy="646331"/>
+          </a:xfrm>
+          <a:prstGeom prst="rect">
+            <a:avLst/>
+          </a:prstGeom>
+          <a:noFill/>
+        </p:spPr>
+        <p:txBody>
+          <a:bodyPr wrap="square">
+            <a:spAutoFit/>
+          </a:bodyPr>
+          <a:lstStyle/>
+          <a:p>
+            <a:pPr algn="ctr"/>
+            <a:r>
+              <a:rPr lang="en-US" dirty="0" err="1">
+                <a:latin typeface="Fira Sans Condensed Medium" panose="020B0603050000020004" pitchFamily="34" charset="0"/>
+                <a:ea typeface="Roboto" panose="02000000000000000000" pitchFamily="2" charset="0"/>
+              </a:rPr>
+              <a:t>Geely</a:t>
+            </a:r>
+            <a:r>
+              <a:rPr lang="en-US" dirty="0">
+                <a:latin typeface="Fira Sans Condensed Medium" panose="020B0603050000020004" pitchFamily="34" charset="0"/>
+                <a:ea typeface="Roboto" panose="02000000000000000000" pitchFamily="2" charset="0"/>
+              </a:rPr>
+              <a:t> </a:t>
+            </a:r>
+            <a:r>
+              <a:rPr lang="en-US" dirty="0" err="1">
+                <a:latin typeface="Fira Sans Condensed Medium" panose="020B0603050000020004" pitchFamily="34" charset="0"/>
+                <a:ea typeface="Roboto" panose="02000000000000000000" pitchFamily="2" charset="0"/>
+              </a:rPr>
+              <a:t>Xingyuan</a:t>
+            </a:r>
+            <a:endParaRPr lang="en-US" dirty="0">
+              <a:latin typeface="Fira Sans Condensed Medium" panose="020B0603050000020004" pitchFamily="34" charset="0"/>
+              <a:ea typeface="Roboto" panose="02000000000000000000" pitchFamily="2" charset="0"/>
+            </a:endParaRPr>
+          </a:p>
+          <a:p>
+            <a:pPr algn="ctr"/>
+            <a:r>
+              <a:rPr lang="en-US" dirty="0">
+                <a:latin typeface="Roboto Condensed Light" panose="02000000000000000000" pitchFamily="2" charset="0"/>
+                <a:ea typeface="Roboto Condensed Light" panose="02000000000000000000" pitchFamily="2" charset="0"/>
+              </a:rPr>
+              <a:t>$ 9,615 - $13,667</a:t>
+            </a:r>
+          </a:p>
+        </p:txBody>
+      </p:sp>
+      <p:sp>
+        <p:nvSpPr>
+          <p:cNvPr id="8" name="TextBox 7">
+            <a:extLst>
+              <a:ext uri="{FF2B5EF4-FFF2-40B4-BE49-F238E27FC236}">
+                <a16:creationId xmlns:a16="http://schemas.microsoft.com/office/drawing/2014/main" id="{37F4D239-0CA0-46F7-935A-0F5C3D0AA31B}"/>
+              </a:ext>
+            </a:extLst>
+          </p:cNvPr>
+          <p:cNvSpPr txBox="1"/>
+          <p:nvPr/>
+        </p:nvSpPr>
+        <p:spPr>
+          <a:xfrm>
+            <a:off x="9744994" y="797341"/>
+            <a:ext cx="1830314" cy="646331"/>
+          </a:xfrm>
+          <a:prstGeom prst="rect">
+            <a:avLst/>
+          </a:prstGeom>
+          <a:noFill/>
+        </p:spPr>
+        <p:txBody>
+          <a:bodyPr wrap="square">
+            <a:spAutoFit/>
+          </a:bodyPr>
+          <a:lstStyle/>
+          <a:p>
+            <a:pPr algn="ctr"/>
+            <a:r>
+              <a:rPr lang="en-US" dirty="0">
+                <a:latin typeface="Fira Sans Condensed Medium" panose="020B0603050000020004" pitchFamily="34" charset="0"/>
+                <a:ea typeface="Roboto" panose="02000000000000000000" pitchFamily="2" charset="0"/>
+              </a:rPr>
+              <a:t>Tesla Model Y</a:t>
+            </a:r>
+          </a:p>
+          <a:p>
+            <a:pPr algn="ctr"/>
+            <a:r>
+              <a:rPr lang="en-US" dirty="0">
+                <a:latin typeface="Roboto Condensed Light" panose="02000000000000000000" pitchFamily="2" charset="0"/>
+                <a:ea typeface="Roboto Condensed Light" panose="02000000000000000000" pitchFamily="2" charset="0"/>
+              </a:rPr>
+              <a:t>$36,822 - $43,809</a:t>
+            </a:r>
+          </a:p>
+        </p:txBody>
+      </p:sp>
+      <p:sp>
+        <p:nvSpPr>
+          <p:cNvPr id="9" name="TextBox 8">
+            <a:extLst>
+              <a:ext uri="{FF2B5EF4-FFF2-40B4-BE49-F238E27FC236}">
+                <a16:creationId xmlns:a16="http://schemas.microsoft.com/office/drawing/2014/main" id="{6A5D7453-1496-A086-4344-5C8132410DF9}"/>
+              </a:ext>
+            </a:extLst>
+          </p:cNvPr>
+          <p:cNvSpPr txBox="1"/>
+          <p:nvPr/>
+        </p:nvSpPr>
+        <p:spPr>
+          <a:xfrm>
+            <a:off x="9443007" y="4082412"/>
+            <a:ext cx="2517329" cy="646331"/>
+          </a:xfrm>
+          <a:prstGeom prst="rect">
+            <a:avLst/>
+          </a:prstGeom>
+          <a:noFill/>
+        </p:spPr>
+        <p:txBody>
+          <a:bodyPr wrap="square">
+            <a:spAutoFit/>
+          </a:bodyPr>
+          <a:lstStyle/>
+          <a:p>
+            <a:pPr algn="ctr"/>
+            <a:r>
+              <a:rPr lang="en-US" dirty="0">
+                <a:latin typeface="Fira Sans Condensed Medium" panose="020B0603050000020004" pitchFamily="34" charset="0"/>
+                <a:ea typeface="Roboto" panose="02000000000000000000" pitchFamily="2" charset="0"/>
+              </a:rPr>
+              <a:t>Chevrolet Silverado</a:t>
+            </a:r>
+          </a:p>
+          <a:p>
+            <a:pPr algn="ctr"/>
+            <a:r>
+              <a:rPr lang="en-US" dirty="0">
+                <a:latin typeface="Roboto Condensed Light" panose="02000000000000000000" pitchFamily="2" charset="0"/>
+                <a:ea typeface="Roboto Condensed Light" panose="02000000000000000000" pitchFamily="2" charset="0"/>
+              </a:rPr>
+              <a:t>$42,700 - $70,000</a:t>
+            </a:r>
+          </a:p>
+        </p:txBody>
+      </p:sp>
+      <p:sp>
+        <p:nvSpPr>
+          <p:cNvPr id="10" name="TextBox 9">
+            <a:extLst>
+              <a:ext uri="{FF2B5EF4-FFF2-40B4-BE49-F238E27FC236}">
+                <a16:creationId xmlns:a16="http://schemas.microsoft.com/office/drawing/2014/main" id="{E20439EE-5369-A928-88C5-B279D88A6375}"/>
+              </a:ext>
+            </a:extLst>
+          </p:cNvPr>
+          <p:cNvSpPr txBox="1"/>
+          <p:nvPr/>
+        </p:nvSpPr>
+        <p:spPr>
+          <a:xfrm>
+            <a:off x="6385263" y="4099020"/>
+            <a:ext cx="2517329" cy="646331"/>
+          </a:xfrm>
+          <a:prstGeom prst="rect">
+            <a:avLst/>
+          </a:prstGeom>
+          <a:noFill/>
+        </p:spPr>
+        <p:txBody>
+          <a:bodyPr wrap="square">
+            <a:spAutoFit/>
+          </a:bodyPr>
+          <a:lstStyle/>
+          <a:p>
+            <a:pPr algn="ctr"/>
+            <a:r>
+              <a:rPr lang="en-US" dirty="0">
+                <a:latin typeface="Fira Sans Condensed Medium" panose="020B0603050000020004" pitchFamily="34" charset="0"/>
+                <a:ea typeface="Roboto" panose="02000000000000000000" pitchFamily="2" charset="0"/>
+              </a:rPr>
+              <a:t>Ford F-150</a:t>
+            </a:r>
+          </a:p>
+          <a:p>
+            <a:pPr algn="ctr"/>
+            <a:r>
+              <a:rPr lang="en-US" dirty="0">
+                <a:latin typeface="Roboto Condensed Light" panose="02000000000000000000" pitchFamily="2" charset="0"/>
+                <a:ea typeface="Roboto Condensed Light" panose="02000000000000000000" pitchFamily="2" charset="0"/>
+              </a:rPr>
+              <a:t>$44,095 - $79,005</a:t>
+            </a:r>
+          </a:p>
+        </p:txBody>
+      </p:sp>
+      <p:sp>
+        <p:nvSpPr>
+          <p:cNvPr id="11" name="TextBox 10">
+            <a:extLst>
+              <a:ext uri="{FF2B5EF4-FFF2-40B4-BE49-F238E27FC236}">
+                <a16:creationId xmlns:a16="http://schemas.microsoft.com/office/drawing/2014/main" id="{7AB5B5CB-338E-4498-7698-C8AEEF3B64A6}"/>
+              </a:ext>
+            </a:extLst>
+          </p:cNvPr>
+          <p:cNvSpPr txBox="1"/>
+          <p:nvPr/>
+        </p:nvSpPr>
+        <p:spPr>
+          <a:xfrm>
+            <a:off x="3327519" y="4082413"/>
+            <a:ext cx="2517329" cy="646331"/>
+          </a:xfrm>
+          <a:prstGeom prst="rect">
+            <a:avLst/>
+          </a:prstGeom>
+          <a:noFill/>
+        </p:spPr>
+        <p:txBody>
+          <a:bodyPr wrap="square">
+            <a:spAutoFit/>
+          </a:bodyPr>
+          <a:lstStyle/>
+          <a:p>
+            <a:pPr algn="ctr"/>
+            <a:r>
+              <a:rPr lang="en-US" dirty="0">
+                <a:latin typeface="Fira Sans Condensed Medium" panose="020B0603050000020004" pitchFamily="34" charset="0"/>
+                <a:ea typeface="Roboto" panose="02000000000000000000" pitchFamily="2" charset="0"/>
+              </a:rPr>
+              <a:t>Honda CRV</a:t>
+            </a:r>
+          </a:p>
+          <a:p>
+            <a:pPr algn="ctr"/>
+            <a:r>
+              <a:rPr lang="en-US" dirty="0">
+                <a:latin typeface="Roboto Condensed Light" panose="02000000000000000000" pitchFamily="2" charset="0"/>
+                <a:ea typeface="Roboto Condensed Light" panose="02000000000000000000" pitchFamily="2" charset="0"/>
+              </a:rPr>
+              <a:t>$30,100 - $41,100</a:t>
+            </a:r>
+          </a:p>
+        </p:txBody>
+      </p:sp>
+      <p:sp>
+        <p:nvSpPr>
+          <p:cNvPr id="12" name="TextBox 11">
+            <a:extLst>
+              <a:ext uri="{FF2B5EF4-FFF2-40B4-BE49-F238E27FC236}">
+                <a16:creationId xmlns:a16="http://schemas.microsoft.com/office/drawing/2014/main" id="{684B9584-3932-1E23-BB24-DC56C4B2EA83}"/>
+              </a:ext>
+            </a:extLst>
+          </p:cNvPr>
+          <p:cNvSpPr txBox="1"/>
+          <p:nvPr/>
+        </p:nvSpPr>
+        <p:spPr>
+          <a:xfrm>
+            <a:off x="300189" y="4082413"/>
+            <a:ext cx="2517329" cy="646331"/>
+          </a:xfrm>
+          <a:prstGeom prst="rect">
+            <a:avLst/>
+          </a:prstGeom>
+          <a:noFill/>
+        </p:spPr>
+        <p:txBody>
+          <a:bodyPr wrap="square">
+            <a:spAutoFit/>
+          </a:bodyPr>
+          <a:lstStyle/>
+          <a:p>
+            <a:pPr algn="ctr"/>
+            <a:r>
+              <a:rPr lang="en-US" dirty="0">
+                <a:latin typeface="Fira Sans Condensed Medium" panose="020B0603050000020004" pitchFamily="34" charset="0"/>
+                <a:ea typeface="Roboto" panose="02000000000000000000" pitchFamily="2" charset="0"/>
+              </a:rPr>
+              <a:t>Toyota RAV4</a:t>
+            </a:r>
+          </a:p>
+          <a:p>
+            <a:pPr algn="ctr"/>
+            <a:r>
+              <a:rPr lang="en-US" dirty="0">
+                <a:latin typeface="Roboto Condensed Light" panose="02000000000000000000" pitchFamily="2" charset="0"/>
+                <a:ea typeface="Roboto Condensed Light" panose="02000000000000000000" pitchFamily="2" charset="0"/>
+              </a:rPr>
+              <a:t>$29,250 - $38,955</a:t>
             </a:r>
           </a:p>
         </p:txBody>
